--- a/信息学奥赛/趣学C++编程/第8单元 位运算、结构体和类/第1课 位运算和文件/位运算和文件.pptx
+++ b/信息学奥赛/趣学C++编程/第8单元 位运算、结构体和类/第1课 位运算和文件/位运算和文件.pptx
@@ -282,7 +282,7 @@
           <a:p>
             <a:fld id="{CA25C14C-9F7E-4FA0-8E24-92D7A1B74D5E}" type="datetimeFigureOut">
               <a:rPr lang="zh-CN" altLang="en-US" smtClean="0"/>
-              <a:t>2022/3/17</a:t>
+              <a:t>2023/3/25</a:t>
             </a:fld>
             <a:endParaRPr lang="zh-CN" altLang="en-US"/>
           </a:p>
@@ -520,7 +520,7 @@
           <a:p>
             <a:fld id="{CA25C14C-9F7E-4FA0-8E24-92D7A1B74D5E}" type="datetimeFigureOut">
               <a:rPr lang="zh-CN" altLang="en-US" smtClean="0"/>
-              <a:t>2022/3/17</a:t>
+              <a:t>2023/3/25</a:t>
             </a:fld>
             <a:endParaRPr lang="zh-CN" altLang="en-US"/>
           </a:p>
@@ -758,7 +758,7 @@
           <a:p>
             <a:fld id="{CA25C14C-9F7E-4FA0-8E24-92D7A1B74D5E}" type="datetimeFigureOut">
               <a:rPr lang="zh-CN" altLang="en-US" smtClean="0"/>
-              <a:t>2022/3/17</a:t>
+              <a:t>2023/3/25</a:t>
             </a:fld>
             <a:endParaRPr lang="zh-CN" altLang="en-US"/>
           </a:p>
@@ -996,7 +996,7 @@
           <a:p>
             <a:fld id="{CA25C14C-9F7E-4FA0-8E24-92D7A1B74D5E}" type="datetimeFigureOut">
               <a:rPr lang="zh-CN" altLang="en-US" smtClean="0"/>
-              <a:t>2022/3/17</a:t>
+              <a:t>2023/3/25</a:t>
             </a:fld>
             <a:endParaRPr lang="zh-CN" altLang="en-US"/>
           </a:p>
@@ -1301,7 +1301,7 @@
           <a:p>
             <a:fld id="{CA25C14C-9F7E-4FA0-8E24-92D7A1B74D5E}" type="datetimeFigureOut">
               <a:rPr lang="zh-CN" altLang="en-US" smtClean="0"/>
-              <a:t>2022/3/17</a:t>
+              <a:t>2023/3/25</a:t>
             </a:fld>
             <a:endParaRPr lang="zh-CN" altLang="en-US"/>
           </a:p>
@@ -1604,7 +1604,7 @@
           <a:p>
             <a:fld id="{CA25C14C-9F7E-4FA0-8E24-92D7A1B74D5E}" type="datetimeFigureOut">
               <a:rPr lang="zh-CN" altLang="en-US" smtClean="0"/>
-              <a:t>2022/3/17</a:t>
+              <a:t>2023/3/25</a:t>
             </a:fld>
             <a:endParaRPr lang="zh-CN" altLang="en-US"/>
           </a:p>
@@ -2055,7 +2055,7 @@
           <a:p>
             <a:fld id="{CA25C14C-9F7E-4FA0-8E24-92D7A1B74D5E}" type="datetimeFigureOut">
               <a:rPr lang="zh-CN" altLang="en-US" smtClean="0"/>
-              <a:t>2022/3/17</a:t>
+              <a:t>2023/3/25</a:t>
             </a:fld>
             <a:endParaRPr lang="zh-CN" altLang="en-US"/>
           </a:p>
@@ -2228,7 +2228,7 @@
           <a:p>
             <a:fld id="{CA25C14C-9F7E-4FA0-8E24-92D7A1B74D5E}" type="datetimeFigureOut">
               <a:rPr lang="zh-CN" altLang="en-US" smtClean="0"/>
-              <a:t>2022/3/17</a:t>
+              <a:t>2023/3/25</a:t>
             </a:fld>
             <a:endParaRPr lang="zh-CN" altLang="en-US"/>
           </a:p>
@@ -2365,7 +2365,7 @@
           <a:p>
             <a:fld id="{CA25C14C-9F7E-4FA0-8E24-92D7A1B74D5E}" type="datetimeFigureOut">
               <a:rPr lang="zh-CN" altLang="en-US" smtClean="0"/>
-              <a:t>2022/3/17</a:t>
+              <a:t>2023/3/25</a:t>
             </a:fld>
             <a:endParaRPr lang="zh-CN" altLang="en-US"/>
           </a:p>
@@ -2709,7 +2709,7 @@
           <a:p>
             <a:fld id="{CA25C14C-9F7E-4FA0-8E24-92D7A1B74D5E}" type="datetimeFigureOut">
               <a:rPr lang="zh-CN" altLang="en-US" smtClean="0"/>
-              <a:t>2022/3/17</a:t>
+              <a:t>2023/3/25</a:t>
             </a:fld>
             <a:endParaRPr lang="zh-CN" altLang="en-US"/>
           </a:p>
@@ -3030,7 +3030,7 @@
           <a:p>
             <a:fld id="{CA25C14C-9F7E-4FA0-8E24-92D7A1B74D5E}" type="datetimeFigureOut">
               <a:rPr lang="zh-CN" altLang="en-US" smtClean="0"/>
-              <a:t>2022/3/17</a:t>
+              <a:t>2023/3/25</a:t>
             </a:fld>
             <a:endParaRPr lang="zh-CN" altLang="en-US"/>
           </a:p>
@@ -3215,7 +3215,7 @@
           </a:ln>
           <a:extLst>
             <a:ext uri="{C572A759-6A51-4108-AA02-DFA0A04FC94B}">
-              <ma14:wrappingTextBoxFlag xmlns="" xmlns:m="http://schemas.openxmlformats.org/officeDocument/2006/math" xmlns:a14="http://schemas.microsoft.com/office/drawing/2010/main" xmlns:ma14="http://schemas.microsoft.com/office/mac/drawingml/2011/main" val="1"/>
+              <ma14:wrappingTextBoxFlag xmlns:ma14="http://schemas.microsoft.com/office/mac/drawingml/2011/main" xmlns:a14="http://schemas.microsoft.com/office/drawing/2010/main" xmlns:m="http://schemas.openxmlformats.org/officeDocument/2006/math" xmlns="" val="1"/>
             </a:ext>
           </a:extLst>
         </p:spPr>
@@ -3382,10 +3382,10 @@
       </p:sp>
       <p:sp>
         <p:nvSpPr>
-          <p:cNvPr id="11" name="艾茵施坦">
+          <p:cNvPr id="2" name="艾茵施坦">
             <a:extLst>
               <a:ext uri="{FF2B5EF4-FFF2-40B4-BE49-F238E27FC236}">
-                <a16:creationId xmlns:a16="http://schemas.microsoft.com/office/drawing/2014/main" id="{C8C88502-D2A1-4641-B2A4-43ECD371895A}"/>
+                <a16:creationId xmlns:a16="http://schemas.microsoft.com/office/drawing/2014/main" id="{8A7153B6-CA1F-13D1-6E9F-AF68FF9D5140}"/>
               </a:ext>
             </a:extLst>
           </p:cNvPr>
@@ -3394,8 +3394,8 @@
         </p:nvSpPr>
         <p:spPr>
           <a:xfrm>
-            <a:off x="618137" y="224029"/>
-            <a:ext cx="1169099" cy="410369"/>
+            <a:off x="618156" y="208549"/>
+            <a:ext cx="1696169" cy="471924"/>
           </a:xfrm>
           <a:prstGeom prst="rect">
             <a:avLst/>
@@ -3405,7 +3405,7 @@
           </a:ln>
           <a:extLst>
             <a:ext uri="{C572A759-6A51-4108-AA02-DFA0A04FC94B}">
-              <ma14:wrappingTextBoxFlag xmlns:ma14="http://schemas.microsoft.com/office/mac/drawingml/2011/main" xmlns:a14="http://schemas.microsoft.com/office/drawing/2010/main" xmlns:m="http://schemas.openxmlformats.org/officeDocument/2006/math" xmlns="" val="1"/>
+              <ma14:wrappingTextBoxFlag xmlns="" xmlns:m="http://schemas.openxmlformats.org/officeDocument/2006/math" xmlns:a14="http://schemas.microsoft.com/office/drawing/2010/main" xmlns:ma14="http://schemas.microsoft.com/office/mac/drawingml/2011/main" val="1"/>
             </a:ext>
           </a:extLst>
         </p:spPr>
@@ -3442,23 +3442,23 @@
               <a:defRPr/>
             </a:pPr>
             <a:r>
-              <a:rPr lang="zh-CN" altLang="en-US" sz="2000" b="1" i="1">
+              <a:rPr lang="zh-CN" altLang="en-US" sz="2400" b="1" i="1">
                 <a:solidFill>
                   <a:srgbClr val="FF0000"/>
                 </a:solidFill>
               </a:rPr>
               <a:t>黑猫编程</a:t>
             </a:r>
-            <a:endParaRPr lang="en-US" altLang="zh-CN" sz="1600" i="1"/>
+            <a:endParaRPr lang="en-US" altLang="zh-CN" sz="2400" i="1"/>
           </a:p>
         </p:txBody>
       </p:sp>
       <p:pic>
         <p:nvPicPr>
-          <p:cNvPr id="13" name="图片 12">
+          <p:cNvPr id="3" name="图片 2">
             <a:extLst>
               <a:ext uri="{FF2B5EF4-FFF2-40B4-BE49-F238E27FC236}">
-                <a16:creationId xmlns:a16="http://schemas.microsoft.com/office/drawing/2014/main" id="{DD8F2634-1B83-49F2-91AE-8ADDB405AEC2}"/>
+                <a16:creationId xmlns:a16="http://schemas.microsoft.com/office/drawing/2014/main" id="{7E41C9DC-2E72-5800-7031-DEDE49BE8B17}"/>
               </a:ext>
             </a:extLst>
           </p:cNvPr>
@@ -3491,10 +3491,10 @@
       </p:pic>
       <p:sp>
         <p:nvSpPr>
-          <p:cNvPr id="15" name="文本框 14">
+          <p:cNvPr id="4" name="文本框 3">
             <a:extLst>
               <a:ext uri="{FF2B5EF4-FFF2-40B4-BE49-F238E27FC236}">
-                <a16:creationId xmlns:a16="http://schemas.microsoft.com/office/drawing/2014/main" id="{A208A208-F546-4C9B-B0B1-F246BD4FA9AA}"/>
+                <a16:creationId xmlns:a16="http://schemas.microsoft.com/office/drawing/2014/main" id="{5538724F-1FA0-BE5E-0A98-8ACB657B13EB}"/>
               </a:ext>
             </a:extLst>
           </p:cNvPr>
@@ -3503,8 +3503,8 @@
         </p:nvSpPr>
         <p:spPr>
           <a:xfrm>
-            <a:off x="514229" y="549668"/>
-            <a:ext cx="6096000" cy="261610"/>
+            <a:off x="618156" y="577467"/>
+            <a:ext cx="1460026" cy="261610"/>
           </a:xfrm>
           <a:prstGeom prst="rect">
             <a:avLst/>
@@ -3518,6 +3518,18 @@
           <a:lstStyle/>
           <a:p>
             <a:r>
+              <a:rPr lang="en-US" altLang="zh-CN" sz="1000" i="1">
+                <a:solidFill>
+                  <a:schemeClr val="tx1">
+                    <a:lumMod val="75000"/>
+                    <a:lumOff val="25000"/>
+                  </a:schemeClr>
+                </a:solidFill>
+                <a:hlinkClick r:id="rId14"/>
+              </a:rPr>
+              <a:t>https://noi.hioier.</a:t>
+            </a:r>
+            <a:r>
               <a:rPr lang="en-US" altLang="zh-CN" sz="1100" i="1">
                 <a:solidFill>
                   <a:schemeClr val="tx1">
@@ -3527,9 +3539,9 @@
                 </a:solidFill>
                 <a:hlinkClick r:id="rId14"/>
               </a:rPr>
-              <a:t> blackcat1995.com</a:t>
-            </a:r>
-            <a:endParaRPr lang="zh-CN" altLang="en-US" sz="1100"/>
+              <a:t>com</a:t>
+            </a:r>
+            <a:endParaRPr lang="zh-CN" altLang="en-US" sz="1000"/>
           </a:p>
         </p:txBody>
       </p:sp>
@@ -4087,7 +4099,7 @@
         </p:nvSpPr>
         <p:spPr>
           <a:xfrm>
-            <a:off x="1752130" y="316112"/>
+            <a:off x="1904530" y="302257"/>
             <a:ext cx="4242324" cy="457256"/>
           </a:xfrm>
           <a:prstGeom prst="rect">
@@ -5105,8 +5117,8 @@
         </p:nvSpPr>
         <p:spPr>
           <a:xfrm>
-            <a:off x="1752600" y="309058"/>
-            <a:ext cx="9109364" cy="1325563"/>
+            <a:off x="1925781" y="309059"/>
+            <a:ext cx="1891146" cy="418306"/>
           </a:xfrm>
         </p:spPr>
         <p:txBody>
@@ -5969,7 +5981,7 @@
         </p:nvSpPr>
         <p:spPr>
           <a:xfrm>
-            <a:off x="1772479" y="307179"/>
+            <a:off x="1966442" y="307179"/>
             <a:ext cx="2230098" cy="480131"/>
           </a:xfrm>
           <a:prstGeom prst="rect">
@@ -6612,7 +6624,7 @@
         </p:nvSpPr>
         <p:spPr>
           <a:xfrm>
-            <a:off x="1770245" y="298956"/>
+            <a:off x="1936500" y="298956"/>
             <a:ext cx="2061783" cy="480131"/>
           </a:xfrm>
           <a:prstGeom prst="rect">
@@ -7264,7 +7276,7 @@
         </p:nvSpPr>
         <p:spPr>
           <a:xfrm>
-            <a:off x="1777228" y="312852"/>
+            <a:off x="1957337" y="312852"/>
             <a:ext cx="2573140" cy="480131"/>
           </a:xfrm>
           <a:prstGeom prst="rect">
@@ -7953,7 +7965,7 @@
         </p:nvSpPr>
         <p:spPr>
           <a:xfrm>
-            <a:off x="1779749" y="181285"/>
+            <a:off x="1987568" y="243631"/>
             <a:ext cx="1854995" cy="576055"/>
           </a:xfrm>
           <a:prstGeom prst="rect">
@@ -8784,7 +8796,7 @@
         </p:nvSpPr>
         <p:spPr>
           <a:xfrm>
-            <a:off x="1751296" y="216263"/>
+            <a:off x="1966041" y="216263"/>
             <a:ext cx="2089033" cy="576055"/>
           </a:xfrm>
           <a:prstGeom prst="rect">
@@ -9500,7 +9512,7 @@
         </p:nvSpPr>
         <p:spPr>
           <a:xfrm>
-            <a:off x="1723587" y="210198"/>
+            <a:off x="1942640" y="265276"/>
             <a:ext cx="2089033" cy="576055"/>
           </a:xfrm>
           <a:prstGeom prst="rect">
@@ -10237,7 +10249,7 @@
         </p:nvSpPr>
         <p:spPr>
           <a:xfrm>
-            <a:off x="1853676" y="339558"/>
+            <a:off x="1985294" y="325825"/>
             <a:ext cx="4242324" cy="457256"/>
           </a:xfrm>
           <a:prstGeom prst="rect">
